--- a/Apresentação.pptx
+++ b/Apresentação.pptx
@@ -6,10 +6,16 @@
   </p:sldMasterIdLst>
   <p:sldIdLst>
     <p:sldId id="256" r:id="rId2"/>
-    <p:sldId id="257" r:id="rId3"/>
-    <p:sldId id="258" r:id="rId4"/>
-    <p:sldId id="259" r:id="rId5"/>
-    <p:sldId id="260" r:id="rId6"/>
+    <p:sldId id="263" r:id="rId3"/>
+    <p:sldId id="257" r:id="rId4"/>
+    <p:sldId id="258" r:id="rId5"/>
+    <p:sldId id="259" r:id="rId6"/>
+    <p:sldId id="260" r:id="rId7"/>
+    <p:sldId id="261" r:id="rId8"/>
+    <p:sldId id="262" r:id="rId9"/>
+    <p:sldId id="265" r:id="rId10"/>
+    <p:sldId id="266" r:id="rId11"/>
+    <p:sldId id="264" r:id="rId12"/>
   </p:sldIdLst>
   <p:sldSz cx="12192000" cy="6858000"/>
   <p:notesSz cx="6858000" cy="9144000"/>
@@ -108,7 +114,16 @@
       </a:defRPr>
     </a:lvl9pPr>
   </p:defaultTextStyle>
+  <p:extLst>
+    <p:ext uri="{EFAFB233-063F-42B5-8137-9DF3F51BA10A}">
+      <p15:sldGuideLst xmlns:p15="http://schemas.microsoft.com/office/powerpoint/2012/main"/>
+    </p:ext>
+  </p:extLst>
 </p:presentation>
+</file>
+
+<file path=ppt/revisionInfo.xml><?xml version="1.0" encoding="utf-8"?>
+<p1510:revInfo xmlns:a="http://schemas.openxmlformats.org/drawingml/2006/main" xmlns:r="http://schemas.openxmlformats.org/officeDocument/2006/relationships" xmlns:p1510="http://schemas.microsoft.com/office/powerpoint/2015/10/main"/>
 </file>
 
 <file path=ppt/slideLayouts/slideLayout1.xml><?xml version="1.0" encoding="utf-8"?>
@@ -3864,6 +3879,244 @@
 </p:sld>
 </file>
 
+<file path=ppt/slides/slide10.xml><?xml version="1.0" encoding="utf-8"?>
+<p:sld xmlns:a="http://schemas.openxmlformats.org/drawingml/2006/main" xmlns:r="http://schemas.openxmlformats.org/officeDocument/2006/relationships" xmlns:p="http://schemas.openxmlformats.org/presentationml/2006/main">
+  <p:cSld>
+    <p:spTree>
+      <p:nvGrpSpPr>
+        <p:cNvPr id="1" name=""/>
+        <p:cNvGrpSpPr/>
+        <p:nvPr/>
+      </p:nvGrpSpPr>
+      <p:grpSpPr>
+        <a:xfrm>
+          <a:off x="0" y="0"/>
+          <a:ext cx="0" cy="0"/>
+          <a:chOff x="0" y="0"/>
+          <a:chExt cx="0" cy="0"/>
+        </a:xfrm>
+      </p:grpSpPr>
+      <p:sp>
+        <p:nvSpPr>
+          <p:cNvPr id="2" name="Título 1">
+            <a:extLst>
+              <a:ext uri="{FF2B5EF4-FFF2-40B4-BE49-F238E27FC236}">
+                <a16:creationId xmlns:a16="http://schemas.microsoft.com/office/drawing/2014/main" id="{5456A5AA-CF8F-4E80-A7B2-F8A6B9101CBC}"/>
+              </a:ext>
+            </a:extLst>
+          </p:cNvPr>
+          <p:cNvSpPr>
+            <a:spLocks noGrp="1"/>
+          </p:cNvSpPr>
+          <p:nvPr>
+            <p:ph type="title"/>
+          </p:nvPr>
+        </p:nvSpPr>
+        <p:spPr/>
+        <p:txBody>
+          <a:bodyPr/>
+          <a:lstStyle/>
+          <a:p>
+            <a:r>
+              <a:rPr lang="pt-BR" dirty="0"/>
+              <a:t>Mundo Real </a:t>
+            </a:r>
+            <a:r>
+              <a:rPr lang="pt-BR" dirty="0">
+                <a:solidFill>
+                  <a:srgbClr val="FF0000"/>
+                </a:solidFill>
+              </a:rPr>
+              <a:t>X</a:t>
+            </a:r>
+            <a:r>
+              <a:rPr lang="pt-BR" dirty="0"/>
+              <a:t> Teórico</a:t>
+            </a:r>
+          </a:p>
+        </p:txBody>
+      </p:sp>
+      <p:sp>
+        <p:nvSpPr>
+          <p:cNvPr id="3" name="Espaço Reservado para Conteúdo 2">
+            <a:extLst>
+              <a:ext uri="{FF2B5EF4-FFF2-40B4-BE49-F238E27FC236}">
+                <a16:creationId xmlns:a16="http://schemas.microsoft.com/office/drawing/2014/main" id="{05EBB4BB-61E6-4551-B0F5-09876F669244}"/>
+              </a:ext>
+            </a:extLst>
+          </p:cNvPr>
+          <p:cNvSpPr>
+            <a:spLocks noGrp="1"/>
+          </p:cNvSpPr>
+          <p:nvPr>
+            <p:ph idx="1"/>
+          </p:nvPr>
+        </p:nvSpPr>
+        <p:spPr/>
+        <p:txBody>
+          <a:bodyPr/>
+          <a:lstStyle/>
+          <a:p>
+            <a:r>
+              <a:rPr lang="pt-BR" dirty="0"/>
+              <a:t>Cálculo não é preciso</a:t>
+            </a:r>
+          </a:p>
+          <a:p>
+            <a:r>
+              <a:rPr lang="pt-BR" dirty="0"/>
+              <a:t>Muitos outros fatores envolvidos que não entram na fórmula</a:t>
+            </a:r>
+          </a:p>
+          <a:p>
+            <a:r>
+              <a:rPr lang="pt-BR" dirty="0"/>
+              <a:t>Apenas para estimativa</a:t>
+            </a:r>
+          </a:p>
+        </p:txBody>
+      </p:sp>
+    </p:spTree>
+    <p:extLst>
+      <p:ext uri="{BB962C8B-B14F-4D97-AF65-F5344CB8AC3E}">
+        <p14:creationId xmlns:p14="http://schemas.microsoft.com/office/powerpoint/2010/main" val="3191479342"/>
+      </p:ext>
+    </p:extLst>
+  </p:cSld>
+  <p:clrMapOvr>
+    <a:masterClrMapping/>
+  </p:clrMapOvr>
+</p:sld>
+</file>
+
+<file path=ppt/slides/slide11.xml><?xml version="1.0" encoding="utf-8"?>
+<p:sld xmlns:a="http://schemas.openxmlformats.org/drawingml/2006/main" xmlns:r="http://schemas.openxmlformats.org/officeDocument/2006/relationships" xmlns:p="http://schemas.openxmlformats.org/presentationml/2006/main">
+  <p:cSld>
+    <p:spTree>
+      <p:nvGrpSpPr>
+        <p:cNvPr id="1" name=""/>
+        <p:cNvGrpSpPr/>
+        <p:nvPr/>
+      </p:nvGrpSpPr>
+      <p:grpSpPr>
+        <a:xfrm>
+          <a:off x="0" y="0"/>
+          <a:ext cx="0" cy="0"/>
+          <a:chOff x="0" y="0"/>
+          <a:chExt cx="0" cy="0"/>
+        </a:xfrm>
+      </p:grpSpPr>
+      <p:sp>
+        <p:nvSpPr>
+          <p:cNvPr id="2" name="Título 1">
+            <a:extLst>
+              <a:ext uri="{FF2B5EF4-FFF2-40B4-BE49-F238E27FC236}">
+                <a16:creationId xmlns:a16="http://schemas.microsoft.com/office/drawing/2014/main" id="{7C26526F-2BF1-47A8-B56B-DBAB1D9C2FA5}"/>
+              </a:ext>
+            </a:extLst>
+          </p:cNvPr>
+          <p:cNvSpPr>
+            <a:spLocks noGrp="1"/>
+          </p:cNvSpPr>
+          <p:nvPr>
+            <p:ph type="title"/>
+          </p:nvPr>
+        </p:nvSpPr>
+        <p:spPr/>
+        <p:txBody>
+          <a:bodyPr/>
+          <a:lstStyle/>
+          <a:p>
+            <a:r>
+              <a:rPr lang="pt-BR" dirty="0"/>
+              <a:t>Referências</a:t>
+            </a:r>
+          </a:p>
+        </p:txBody>
+      </p:sp>
+      <p:sp>
+        <p:nvSpPr>
+          <p:cNvPr id="3" name="Espaço Reservado para Conteúdo 2">
+            <a:extLst>
+              <a:ext uri="{FF2B5EF4-FFF2-40B4-BE49-F238E27FC236}">
+                <a16:creationId xmlns:a16="http://schemas.microsoft.com/office/drawing/2014/main" id="{A27A4DCC-F7EF-4DEA-96FB-B42C761774AC}"/>
+              </a:ext>
+            </a:extLst>
+          </p:cNvPr>
+          <p:cNvSpPr>
+            <a:spLocks noGrp="1"/>
+          </p:cNvSpPr>
+          <p:nvPr>
+            <p:ph idx="1"/>
+          </p:nvPr>
+        </p:nvSpPr>
+        <p:spPr/>
+        <p:txBody>
+          <a:bodyPr/>
+          <a:lstStyle/>
+          <a:p>
+            <a:r>
+              <a:rPr lang="pt-BR" dirty="0">
+                <a:hlinkClick r:id="rId2"/>
+              </a:rPr>
+              <a:t>https://en.wikipedia.org/wiki/Blood_alcohol_content</a:t>
+            </a:r>
+            <a:endParaRPr lang="pt-BR" dirty="0"/>
+          </a:p>
+          <a:p>
+            <a:r>
+              <a:rPr lang="pt-BR" dirty="0">
+                <a:hlinkClick r:id="rId3"/>
+              </a:rPr>
+              <a:t>http://www.medclick.com.br/saude/calculadora-do-teor-de-alcool-no-sangue/</a:t>
+            </a:r>
+            <a:endParaRPr lang="pt-BR" dirty="0"/>
+          </a:p>
+          <a:p>
+            <a:r>
+              <a:rPr lang="pt-BR" dirty="0">
+                <a:hlinkClick r:id="rId4"/>
+              </a:rPr>
+              <a:t>https://pt.wikihow.com/Calcular-o-N%C3%ADvel-de-%C3%81lcool-no-Sangue</a:t>
+            </a:r>
+            <a:endParaRPr lang="pt-BR" dirty="0"/>
+          </a:p>
+          <a:p>
+            <a:r>
+              <a:rPr lang="pt-BR" dirty="0">
+                <a:hlinkClick r:id="rId5"/>
+              </a:rPr>
+              <a:t>https://pt.wikihow.com/Encontrar-o-Teor-de-%C3%81lcool-no-Sangue-(F%C3%B3rmula-de-Widmark)</a:t>
+            </a:r>
+            <a:endParaRPr lang="pt-BR" dirty="0"/>
+          </a:p>
+          <a:p>
+            <a:r>
+              <a:rPr lang="pt-BR" dirty="0">
+                <a:hlinkClick r:id="rId6"/>
+              </a:rPr>
+              <a:t>http://www.alcohol.gov.au/internet/alcohol/publishing.nsf/Content/E9E12B0E00E94FD5CA25718E0081F1DC/$File/std0910.pdf</a:t>
+            </a:r>
+            <a:endParaRPr lang="pt-BR" dirty="0"/>
+          </a:p>
+          <a:p>
+            <a:endParaRPr lang="pt-BR" dirty="0"/>
+          </a:p>
+        </p:txBody>
+      </p:sp>
+    </p:spTree>
+    <p:extLst>
+      <p:ext uri="{BB962C8B-B14F-4D97-AF65-F5344CB8AC3E}">
+        <p14:creationId xmlns:p14="http://schemas.microsoft.com/office/powerpoint/2010/main" val="3723675178"/>
+      </p:ext>
+    </p:extLst>
+  </p:cSld>
+  <p:clrMapOvr>
+    <a:masterClrMapping/>
+  </p:clrMapOvr>
+</p:sld>
+</file>
+
 <file path=ppt/slides/slide2.xml><?xml version="1.0" encoding="utf-8"?>
 <p:sld xmlns:a="http://schemas.openxmlformats.org/drawingml/2006/main" xmlns:r="http://schemas.openxmlformats.org/officeDocument/2006/relationships" xmlns:p="http://schemas.openxmlformats.org/presentationml/2006/main">
   <p:cSld>
@@ -3886,7 +4139,7 @@
           <p:cNvPr id="2" name="Título 1">
             <a:extLst>
               <a:ext uri="{FF2B5EF4-FFF2-40B4-BE49-F238E27FC236}">
-                <a16:creationId xmlns:a16="http://schemas.microsoft.com/office/drawing/2014/main" id="{6132DDF5-4C5D-4270-A3E3-0FD50515868F}"/>
+                <a16:creationId xmlns:a16="http://schemas.microsoft.com/office/drawing/2014/main" id="{D87BEBB4-EE92-43DE-BCCC-6D1C5DB16466}"/>
               </a:ext>
             </a:extLst>
           </p:cNvPr>
@@ -3904,7 +4157,7 @@
           <a:p>
             <a:r>
               <a:rPr lang="pt-BR" dirty="0"/>
-              <a:t>VARIÁVEIS</a:t>
+              <a:t>Objetivo</a:t>
             </a:r>
           </a:p>
         </p:txBody>
@@ -3914,7 +4167,7 @@
           <p:cNvPr id="3" name="Espaço Reservado para Conteúdo 2">
             <a:extLst>
               <a:ext uri="{FF2B5EF4-FFF2-40B4-BE49-F238E27FC236}">
-                <a16:creationId xmlns:a16="http://schemas.microsoft.com/office/drawing/2014/main" id="{683509CD-8901-4E53-BBAE-10F5F1FAEDF6}"/>
+                <a16:creationId xmlns:a16="http://schemas.microsoft.com/office/drawing/2014/main" id="{BCA2C989-B465-46EB-999C-402431B3D46D}"/>
               </a:ext>
             </a:extLst>
           </p:cNvPr>
@@ -3930,35 +4183,47 @@
           <a:bodyPr/>
           <a:lstStyle/>
           <a:p>
+            <a:pPr marL="0" indent="0">
+              <a:buNone/>
+            </a:pPr>
             <a:r>
               <a:rPr lang="pt-BR" dirty="0"/>
-              <a:t>Peso</a:t>
-            </a:r>
-          </a:p>
-          <a:p>
+              <a:t>Calcular a concentração máxima estimada de álcool no sangue a partir das informações fornecidas</a:t>
+            </a:r>
+          </a:p>
+          <a:p>
+            <a:pPr marL="0" indent="0">
+              <a:buNone/>
+            </a:pPr>
+            <a:endParaRPr lang="pt-BR" dirty="0"/>
+          </a:p>
+          <a:p>
+            <a:pPr marL="0" indent="0">
+              <a:buNone/>
+            </a:pPr>
             <a:r>
               <a:rPr lang="pt-BR" dirty="0"/>
-              <a:t>Sexo</a:t>
-            </a:r>
-          </a:p>
-          <a:p>
-            <a:r>
-              <a:rPr lang="pt-BR" dirty="0"/>
-              <a:t>Unidades de bebida padrão</a:t>
-            </a:r>
-          </a:p>
-          <a:p>
-            <a:r>
-              <a:rPr lang="pt-BR" dirty="0"/>
-              <a:t>Tempo de consumo</a:t>
-            </a:r>
+              <a:t>Progredir o tempo e recalcular para avaliar como o tempo afeta este valor</a:t>
+            </a:r>
+          </a:p>
+          <a:p>
+            <a:pPr marL="0" indent="0">
+              <a:buNone/>
+            </a:pPr>
+            <a:endParaRPr lang="pt-BR" dirty="0"/>
+          </a:p>
+          <a:p>
+            <a:pPr marL="0" indent="0">
+              <a:buNone/>
+            </a:pPr>
+            <a:endParaRPr lang="pt-BR" dirty="0"/>
           </a:p>
         </p:txBody>
       </p:sp>
     </p:spTree>
     <p:extLst>
       <p:ext uri="{BB962C8B-B14F-4D97-AF65-F5344CB8AC3E}">
-        <p14:creationId xmlns:p14="http://schemas.microsoft.com/office/powerpoint/2010/main" val="3806328435"/>
+        <p14:creationId xmlns:p14="http://schemas.microsoft.com/office/powerpoint/2010/main" val="881438462"/>
       </p:ext>
     </p:extLst>
   </p:cSld>
@@ -3990,6 +4255,110 @@
           <p:cNvPr id="2" name="Título 1">
             <a:extLst>
               <a:ext uri="{FF2B5EF4-FFF2-40B4-BE49-F238E27FC236}">
+                <a16:creationId xmlns:a16="http://schemas.microsoft.com/office/drawing/2014/main" id="{6132DDF5-4C5D-4270-A3E3-0FD50515868F}"/>
+              </a:ext>
+            </a:extLst>
+          </p:cNvPr>
+          <p:cNvSpPr>
+            <a:spLocks noGrp="1"/>
+          </p:cNvSpPr>
+          <p:nvPr>
+            <p:ph type="title"/>
+          </p:nvPr>
+        </p:nvSpPr>
+        <p:spPr/>
+        <p:txBody>
+          <a:bodyPr/>
+          <a:lstStyle/>
+          <a:p>
+            <a:r>
+              <a:rPr lang="pt-BR" dirty="0"/>
+              <a:t>VARIÁVEIS</a:t>
+            </a:r>
+          </a:p>
+        </p:txBody>
+      </p:sp>
+      <p:sp>
+        <p:nvSpPr>
+          <p:cNvPr id="3" name="Espaço Reservado para Conteúdo 2">
+            <a:extLst>
+              <a:ext uri="{FF2B5EF4-FFF2-40B4-BE49-F238E27FC236}">
+                <a16:creationId xmlns:a16="http://schemas.microsoft.com/office/drawing/2014/main" id="{683509CD-8901-4E53-BBAE-10F5F1FAEDF6}"/>
+              </a:ext>
+            </a:extLst>
+          </p:cNvPr>
+          <p:cNvSpPr>
+            <a:spLocks noGrp="1"/>
+          </p:cNvSpPr>
+          <p:nvPr>
+            <p:ph idx="1"/>
+          </p:nvPr>
+        </p:nvSpPr>
+        <p:spPr/>
+        <p:txBody>
+          <a:bodyPr/>
+          <a:lstStyle/>
+          <a:p>
+            <a:r>
+              <a:rPr lang="pt-BR" dirty="0"/>
+              <a:t>Peso</a:t>
+            </a:r>
+          </a:p>
+          <a:p>
+            <a:r>
+              <a:rPr lang="pt-BR" dirty="0"/>
+              <a:t>Sexo</a:t>
+            </a:r>
+          </a:p>
+          <a:p>
+            <a:r>
+              <a:rPr lang="pt-BR" dirty="0"/>
+              <a:t>Unidades de bebida padrão</a:t>
+            </a:r>
+          </a:p>
+          <a:p>
+            <a:r>
+              <a:rPr lang="pt-BR" dirty="0"/>
+              <a:t>Tempo de consumo</a:t>
+            </a:r>
+          </a:p>
+        </p:txBody>
+      </p:sp>
+    </p:spTree>
+    <p:extLst>
+      <p:ext uri="{BB962C8B-B14F-4D97-AF65-F5344CB8AC3E}">
+        <p14:creationId xmlns:p14="http://schemas.microsoft.com/office/powerpoint/2010/main" val="3806328435"/>
+      </p:ext>
+    </p:extLst>
+  </p:cSld>
+  <p:clrMapOvr>
+    <a:masterClrMapping/>
+  </p:clrMapOvr>
+</p:sld>
+</file>
+
+<file path=ppt/slides/slide4.xml><?xml version="1.0" encoding="utf-8"?>
+<p:sld xmlns:a="http://schemas.openxmlformats.org/drawingml/2006/main" xmlns:r="http://schemas.openxmlformats.org/officeDocument/2006/relationships" xmlns:p="http://schemas.openxmlformats.org/presentationml/2006/main">
+  <p:cSld>
+    <p:spTree>
+      <p:nvGrpSpPr>
+        <p:cNvPr id="1" name=""/>
+        <p:cNvGrpSpPr/>
+        <p:nvPr/>
+      </p:nvGrpSpPr>
+      <p:grpSpPr>
+        <a:xfrm>
+          <a:off x="0" y="0"/>
+          <a:ext cx="0" cy="0"/>
+          <a:chOff x="0" y="0"/>
+          <a:chExt cx="0" cy="0"/>
+        </a:xfrm>
+      </p:grpSpPr>
+      <p:sp>
+        <p:nvSpPr>
+          <p:cNvPr id="2" name="Título 1">
+            <a:extLst>
+              <a:ext uri="{FF2B5EF4-FFF2-40B4-BE49-F238E27FC236}">
                 <a16:creationId xmlns:a16="http://schemas.microsoft.com/office/drawing/2014/main" id="{EC53AE45-7F76-40BC-9E37-4DBA8F8CDF0C}"/>
               </a:ext>
             </a:extLst>
@@ -4077,7 +4446,7 @@
 </p:sld>
 </file>
 
-<file path=ppt/slides/slide4.xml><?xml version="1.0" encoding="utf-8"?>
+<file path=ppt/slides/slide5.xml><?xml version="1.0" encoding="utf-8"?>
 <p:sld xmlns:a="http://schemas.openxmlformats.org/drawingml/2006/main" xmlns:r="http://schemas.openxmlformats.org/officeDocument/2006/relationships" xmlns:p="http://schemas.openxmlformats.org/presentationml/2006/main">
   <p:cSld>
     <p:spTree>
@@ -4137,7 +4506,7 @@
 </p:sld>
 </file>
 
-<file path=ppt/slides/slide5.xml><?xml version="1.0" encoding="utf-8"?>
+<file path=ppt/slides/slide6.xml><?xml version="1.0" encoding="utf-8"?>
 <p:sld xmlns:a="http://schemas.openxmlformats.org/drawingml/2006/main" xmlns:r="http://schemas.openxmlformats.org/officeDocument/2006/relationships" xmlns:p="http://schemas.openxmlformats.org/presentationml/2006/main">
   <p:cSld>
     <p:spTree>
@@ -4221,38 +4590,6 @@
       </p:pic>
       <p:sp>
         <p:nvSpPr>
-          <p:cNvPr id="6" name="CaixaDeTexto 5">
-            <a:extLst>
-              <a:ext uri="{FF2B5EF4-FFF2-40B4-BE49-F238E27FC236}">
-                <a16:creationId xmlns:a16="http://schemas.microsoft.com/office/drawing/2014/main" id="{66D02E2B-E41D-4D5C-9513-361340A06157}"/>
-              </a:ext>
-            </a:extLst>
-          </p:cNvPr>
-          <p:cNvSpPr txBox="1"/>
-          <p:nvPr/>
-        </p:nvSpPr>
-        <p:spPr>
-          <a:xfrm>
-            <a:off x="1371600" y="3657600"/>
-            <a:ext cx="9601200" cy="3200400"/>
-          </a:xfrm>
-          <a:prstGeom prst="rect">
-            <a:avLst/>
-          </a:prstGeom>
-          <a:noFill/>
-        </p:spPr>
-        <p:txBody>
-          <a:bodyPr wrap="square" rtlCol="0">
-            <a:spAutoFit/>
-          </a:bodyPr>
-          <a:lstStyle/>
-          <a:p>
-            <a:endParaRPr lang="pt-BR" dirty="0"/>
-          </a:p>
-        </p:txBody>
-      </p:sp>
-      <p:sp>
-        <p:nvSpPr>
           <p:cNvPr id="7" name="Retângulo 6">
             <a:extLst>
               <a:ext uri="{FF2B5EF4-FFF2-40B4-BE49-F238E27FC236}">
@@ -4266,7 +4603,7 @@
         <p:spPr>
           <a:xfrm>
             <a:off x="1371600" y="2913440"/>
-            <a:ext cx="9601200" cy="2585323"/>
+            <a:ext cx="9601200" cy="3754874"/>
           </a:xfrm>
           <a:prstGeom prst="rect">
             <a:avLst/>
@@ -4278,57 +4615,150 @@
           </a:bodyPr>
           <a:lstStyle/>
           <a:p>
-            <a:r>
-              <a:rPr lang="en-US" dirty="0"/>
-              <a:t>0.806 is a constant for body water in the blood (mean 80.6%),</a:t>
-            </a:r>
-          </a:p>
-          <a:p>
-            <a:r>
-              <a:rPr lang="en-US" dirty="0"/>
-              <a:t>SD is the number of standard drinks, that being 10 grams of ethanol each,</a:t>
-            </a:r>
-          </a:p>
-          <a:p>
-            <a:r>
-              <a:rPr lang="en-US" dirty="0"/>
-              <a:t>1.2 is a factor to convert the amount in grams to Swedish standards set by The Swedish National Institute of Public Health,</a:t>
-            </a:r>
-          </a:p>
-          <a:p>
-            <a:r>
-              <a:rPr lang="en-US" dirty="0"/>
-              <a:t>BW is a body water constant (0.58 for males and 0.49 for females),</a:t>
-            </a:r>
-          </a:p>
-          <a:p>
-            <a:r>
-              <a:rPr lang="en-US" dirty="0" err="1"/>
+            <a:pPr marL="342900" indent="-342900">
+              <a:buFont typeface="Arial" panose="020B0604020202020204" pitchFamily="34" charset="0"/>
+              <a:buChar char="•"/>
+            </a:pPr>
+            <a:r>
+              <a:rPr lang="en-US" sz="2000" dirty="0"/>
+              <a:t>0.806 é </a:t>
+            </a:r>
+            <a:r>
+              <a:rPr lang="en-US" sz="2000" dirty="0" err="1"/>
+              <a:t>uma</a:t>
+            </a:r>
+            <a:r>
+              <a:rPr lang="en-US" sz="2000" dirty="0"/>
+              <a:t> </a:t>
+            </a:r>
+            <a:r>
+              <a:rPr lang="en-US" sz="2000" dirty="0" err="1"/>
+              <a:t>constante</a:t>
+            </a:r>
+            <a:r>
+              <a:rPr lang="en-US" sz="2000" dirty="0"/>
+              <a:t> para a </a:t>
+            </a:r>
+            <a:r>
+              <a:rPr lang="en-US" sz="2000" dirty="0" err="1"/>
+              <a:t>água</a:t>
+            </a:r>
+            <a:r>
+              <a:rPr lang="en-US" sz="2000" dirty="0"/>
+              <a:t> corporal no </a:t>
+            </a:r>
+            <a:r>
+              <a:rPr lang="en-US" sz="2000" dirty="0" err="1"/>
+              <a:t>sangue</a:t>
+            </a:r>
+            <a:r>
+              <a:rPr lang="en-US" sz="2000" dirty="0"/>
+              <a:t> (</a:t>
+            </a:r>
+            <a:r>
+              <a:rPr lang="en-US" sz="2000" dirty="0" err="1"/>
+              <a:t>significa</a:t>
+            </a:r>
+            <a:r>
+              <a:rPr lang="en-US" sz="2000" dirty="0"/>
+              <a:t> 80.6%),</a:t>
+            </a:r>
+          </a:p>
+          <a:p>
+            <a:pPr marL="342900" indent="-342900">
+              <a:buFont typeface="Arial" panose="020B0604020202020204" pitchFamily="34" charset="0"/>
+              <a:buChar char="•"/>
+            </a:pPr>
+            <a:r>
+              <a:rPr lang="pt-BR" sz="2000" dirty="0"/>
+              <a:t>SD é o número de bebidas padrão, sendo 10 gramas de etanol cada, </a:t>
+            </a:r>
+          </a:p>
+          <a:p>
+            <a:pPr marL="342900" indent="-342900">
+              <a:buFont typeface="Arial" panose="020B0604020202020204" pitchFamily="34" charset="0"/>
+              <a:buChar char="•"/>
+            </a:pPr>
+            <a:r>
+              <a:rPr lang="pt-BR" sz="2000" dirty="0"/>
+              <a:t>1.2 é um fator para converter a quantidade em gramas em padrões suecos estabelecidos pelo Instituto Nacional Sueco de Saúde Pública,</a:t>
+            </a:r>
+            <a:endParaRPr lang="en-US" sz="2000" dirty="0"/>
+          </a:p>
+          <a:p>
+            <a:pPr marL="342900" indent="-342900">
+              <a:buFont typeface="Arial" panose="020B0604020202020204" pitchFamily="34" charset="0"/>
+              <a:buChar char="•"/>
+            </a:pPr>
+            <a:r>
+              <a:rPr lang="pt-BR" sz="2000" dirty="0"/>
+              <a:t>BW é a constante de água corporal (0.58 para homens e 0.49 para mulheres),</a:t>
+            </a:r>
+          </a:p>
+          <a:p>
+            <a:pPr marL="342900" indent="-342900">
+              <a:buFont typeface="Arial" panose="020B0604020202020204" pitchFamily="34" charset="0"/>
+              <a:buChar char="•"/>
+            </a:pPr>
+            <a:r>
+              <a:rPr lang="pt-BR" sz="2000" dirty="0" err="1"/>
               <a:t>Wt</a:t>
             </a:r>
             <a:r>
-              <a:rPr lang="en-US" dirty="0"/>
-              <a:t> is body weight (kilogram),</a:t>
-            </a:r>
-          </a:p>
-          <a:p>
-            <a:r>
-              <a:rPr lang="en-US" dirty="0"/>
-              <a:t>MR is the metabolism constant (0.015 for males and 0.017 for females) and</a:t>
-            </a:r>
-          </a:p>
-          <a:p>
-            <a:r>
-              <a:rPr lang="en-US" dirty="0"/>
-              <a:t>DP is the drinking period in hours.[2]</a:t>
-            </a:r>
-          </a:p>
-          <a:p>
-            <a:r>
-              <a:rPr lang="en-US" dirty="0"/>
-              <a:t>10 converts the result to permillage of alcohol</a:t>
-            </a:r>
-            <a:endParaRPr lang="pt-BR" dirty="0"/>
+              <a:rPr lang="pt-BR" sz="2000" dirty="0"/>
+              <a:t> é o peso corporal (quilograma),</a:t>
+            </a:r>
+          </a:p>
+          <a:p>
+            <a:pPr marL="342900" indent="-342900">
+              <a:buFont typeface="Arial" panose="020B0604020202020204" pitchFamily="34" charset="0"/>
+              <a:buChar char="•"/>
+            </a:pPr>
+            <a:r>
+              <a:rPr lang="pt-BR" sz="2000" dirty="0"/>
+              <a:t>MR é a constante de metabolismo (0.015 para homens e 0.017 para mulheres) e</a:t>
+            </a:r>
+          </a:p>
+          <a:p>
+            <a:pPr marL="342900" indent="-342900">
+              <a:buFont typeface="Arial" panose="020B0604020202020204" pitchFamily="34" charset="0"/>
+              <a:buChar char="•"/>
+            </a:pPr>
+            <a:r>
+              <a:rPr lang="pt-BR" sz="2000" dirty="0"/>
+              <a:t>DP é o período de consumo em horas.</a:t>
+            </a:r>
+          </a:p>
+          <a:p>
+            <a:pPr marL="342900" indent="-342900">
+              <a:buFont typeface="Arial" panose="020B0604020202020204" pitchFamily="34" charset="0"/>
+              <a:buChar char="•"/>
+            </a:pPr>
+            <a:r>
+              <a:rPr lang="pt-BR" sz="2000" dirty="0"/>
+              <a:t>10 converte o resultado para permilagem de álcool</a:t>
+            </a:r>
+          </a:p>
+          <a:p>
+            <a:pPr marL="342900" indent="-342900">
+              <a:buFont typeface="Arial" panose="020B0604020202020204" pitchFamily="34" charset="0"/>
+              <a:buChar char="•"/>
+            </a:pPr>
+            <a:endParaRPr lang="pt-BR" sz="2000" dirty="0"/>
+          </a:p>
+          <a:p>
+            <a:r>
+              <a:rPr lang="pt-BR" sz="2000" dirty="0"/>
+              <a:t>EBAC = </a:t>
+            </a:r>
+            <a:r>
+              <a:rPr lang="en-US" sz="2000" dirty="0"/>
+              <a:t>estimated peak blood alcohol concentration = </a:t>
+            </a:r>
+            <a:r>
+              <a:rPr lang="pt-BR" sz="2000" dirty="0"/>
+              <a:t>concentração máxima estimada de álcool no sangue</a:t>
+            </a:r>
           </a:p>
         </p:txBody>
       </p:sp>
@@ -4336,6 +4766,270 @@
     <p:extLst>
       <p:ext uri="{BB962C8B-B14F-4D97-AF65-F5344CB8AC3E}">
         <p14:creationId xmlns:p14="http://schemas.microsoft.com/office/powerpoint/2010/main" val="1044040895"/>
+      </p:ext>
+    </p:extLst>
+  </p:cSld>
+  <p:clrMapOvr>
+    <a:masterClrMapping/>
+  </p:clrMapOvr>
+</p:sld>
+</file>
+
+<file path=ppt/slides/slide7.xml><?xml version="1.0" encoding="utf-8"?>
+<p:sld xmlns:a="http://schemas.openxmlformats.org/drawingml/2006/main" xmlns:r="http://schemas.openxmlformats.org/officeDocument/2006/relationships" xmlns:p="http://schemas.openxmlformats.org/presentationml/2006/main">
+  <p:cSld>
+    <p:spTree>
+      <p:nvGrpSpPr>
+        <p:cNvPr id="1" name=""/>
+        <p:cNvGrpSpPr/>
+        <p:nvPr/>
+      </p:nvGrpSpPr>
+      <p:grpSpPr>
+        <a:xfrm>
+          <a:off x="0" y="0"/>
+          <a:ext cx="0" cy="0"/>
+          <a:chOff x="0" y="0"/>
+          <a:chExt cx="0" cy="0"/>
+        </a:xfrm>
+      </p:grpSpPr>
+      <p:sp>
+        <p:nvSpPr>
+          <p:cNvPr id="2" name="Título 1">
+            <a:extLst>
+              <a:ext uri="{FF2B5EF4-FFF2-40B4-BE49-F238E27FC236}">
+                <a16:creationId xmlns:a16="http://schemas.microsoft.com/office/drawing/2014/main" id="{D72FC3A8-A7A3-4081-9F8C-1C8E910E4EC1}"/>
+              </a:ext>
+            </a:extLst>
+          </p:cNvPr>
+          <p:cNvSpPr>
+            <a:spLocks noGrp="1"/>
+          </p:cNvSpPr>
+          <p:nvPr>
+            <p:ph type="title"/>
+          </p:nvPr>
+        </p:nvSpPr>
+        <p:spPr/>
+        <p:txBody>
+          <a:bodyPr/>
+          <a:lstStyle/>
+          <a:p>
+            <a:r>
+              <a:rPr lang="pt-BR" dirty="0"/>
+              <a:t>Modelo computacional</a:t>
+            </a:r>
+          </a:p>
+        </p:txBody>
+      </p:sp>
+      <p:pic>
+        <p:nvPicPr>
+          <p:cNvPr id="5" name="Imagem 4">
+            <a:extLst>
+              <a:ext uri="{FF2B5EF4-FFF2-40B4-BE49-F238E27FC236}">
+                <a16:creationId xmlns:a16="http://schemas.microsoft.com/office/drawing/2014/main" id="{DCC16D09-AB44-4D4D-959F-E3E2129FC642}"/>
+              </a:ext>
+            </a:extLst>
+          </p:cNvPr>
+          <p:cNvPicPr>
+            <a:picLocks noChangeAspect="1"/>
+          </p:cNvPicPr>
+          <p:nvPr/>
+        </p:nvPicPr>
+        <p:blipFill>
+          <a:blip r:embed="rId2"/>
+          <a:stretch>
+            <a:fillRect/>
+          </a:stretch>
+        </p:blipFill>
+        <p:spPr>
+          <a:xfrm>
+            <a:off x="1371600" y="1428750"/>
+            <a:ext cx="7076941" cy="4923089"/>
+          </a:xfrm>
+          <a:prstGeom prst="rect">
+            <a:avLst/>
+          </a:prstGeom>
+        </p:spPr>
+      </p:pic>
+    </p:spTree>
+    <p:extLst>
+      <p:ext uri="{BB962C8B-B14F-4D97-AF65-F5344CB8AC3E}">
+        <p14:creationId xmlns:p14="http://schemas.microsoft.com/office/powerpoint/2010/main" val="4153532520"/>
+      </p:ext>
+    </p:extLst>
+  </p:cSld>
+  <p:clrMapOvr>
+    <a:masterClrMapping/>
+  </p:clrMapOvr>
+</p:sld>
+</file>
+
+<file path=ppt/slides/slide8.xml><?xml version="1.0" encoding="utf-8"?>
+<p:sld xmlns:a="http://schemas.openxmlformats.org/drawingml/2006/main" xmlns:r="http://schemas.openxmlformats.org/officeDocument/2006/relationships" xmlns:p="http://schemas.openxmlformats.org/presentationml/2006/main">
+  <p:cSld>
+    <p:spTree>
+      <p:nvGrpSpPr>
+        <p:cNvPr id="1" name=""/>
+        <p:cNvGrpSpPr/>
+        <p:nvPr/>
+      </p:nvGrpSpPr>
+      <p:grpSpPr>
+        <a:xfrm>
+          <a:off x="0" y="0"/>
+          <a:ext cx="0" cy="0"/>
+          <a:chOff x="0" y="0"/>
+          <a:chExt cx="0" cy="0"/>
+        </a:xfrm>
+      </p:grpSpPr>
+      <p:sp>
+        <p:nvSpPr>
+          <p:cNvPr id="2" name="Título 1">
+            <a:extLst>
+              <a:ext uri="{FF2B5EF4-FFF2-40B4-BE49-F238E27FC236}">
+                <a16:creationId xmlns:a16="http://schemas.microsoft.com/office/drawing/2014/main" id="{B4BA7E92-545A-409E-8C06-67F09A7DDB63}"/>
+              </a:ext>
+            </a:extLst>
+          </p:cNvPr>
+          <p:cNvSpPr>
+            <a:spLocks noGrp="1"/>
+          </p:cNvSpPr>
+          <p:nvPr>
+            <p:ph type="title"/>
+          </p:nvPr>
+        </p:nvSpPr>
+        <p:spPr/>
+        <p:txBody>
+          <a:bodyPr/>
+          <a:lstStyle/>
+          <a:p>
+            <a:r>
+              <a:rPr lang="pt-BR" dirty="0"/>
+              <a:t>Modelo computacional</a:t>
+            </a:r>
+          </a:p>
+        </p:txBody>
+      </p:sp>
+      <p:pic>
+        <p:nvPicPr>
+          <p:cNvPr id="5" name="Imagem 4">
+            <a:extLst>
+              <a:ext uri="{FF2B5EF4-FFF2-40B4-BE49-F238E27FC236}">
+                <a16:creationId xmlns:a16="http://schemas.microsoft.com/office/drawing/2014/main" id="{A5D3DC99-86DB-40B6-9C2A-2354751ACFEE}"/>
+              </a:ext>
+            </a:extLst>
+          </p:cNvPr>
+          <p:cNvPicPr>
+            <a:picLocks noChangeAspect="1"/>
+          </p:cNvPicPr>
+          <p:nvPr/>
+        </p:nvPicPr>
+        <p:blipFill>
+          <a:blip r:embed="rId2"/>
+          <a:stretch>
+            <a:fillRect/>
+          </a:stretch>
+        </p:blipFill>
+        <p:spPr>
+          <a:xfrm>
+            <a:off x="1371600" y="1428749"/>
+            <a:ext cx="9601200" cy="4574775"/>
+          </a:xfrm>
+          <a:prstGeom prst="rect">
+            <a:avLst/>
+          </a:prstGeom>
+        </p:spPr>
+      </p:pic>
+    </p:spTree>
+    <p:extLst>
+      <p:ext uri="{BB962C8B-B14F-4D97-AF65-F5344CB8AC3E}">
+        <p14:creationId xmlns:p14="http://schemas.microsoft.com/office/powerpoint/2010/main" val="1013433818"/>
+      </p:ext>
+    </p:extLst>
+  </p:cSld>
+  <p:clrMapOvr>
+    <a:masterClrMapping/>
+  </p:clrMapOvr>
+</p:sld>
+</file>
+
+<file path=ppt/slides/slide9.xml><?xml version="1.0" encoding="utf-8"?>
+<p:sld xmlns:a="http://schemas.openxmlformats.org/drawingml/2006/main" xmlns:r="http://schemas.openxmlformats.org/officeDocument/2006/relationships" xmlns:p="http://schemas.openxmlformats.org/presentationml/2006/main">
+  <p:cSld>
+    <p:spTree>
+      <p:nvGrpSpPr>
+        <p:cNvPr id="1" name=""/>
+        <p:cNvGrpSpPr/>
+        <p:nvPr/>
+      </p:nvGrpSpPr>
+      <p:grpSpPr>
+        <a:xfrm>
+          <a:off x="0" y="0"/>
+          <a:ext cx="0" cy="0"/>
+          <a:chOff x="0" y="0"/>
+          <a:chExt cx="0" cy="0"/>
+        </a:xfrm>
+      </p:grpSpPr>
+      <p:sp>
+        <p:nvSpPr>
+          <p:cNvPr id="2" name="Título 1">
+            <a:extLst>
+              <a:ext uri="{FF2B5EF4-FFF2-40B4-BE49-F238E27FC236}">
+                <a16:creationId xmlns:a16="http://schemas.microsoft.com/office/drawing/2014/main" id="{D72FC3A8-A7A3-4081-9F8C-1C8E910E4EC1}"/>
+              </a:ext>
+            </a:extLst>
+          </p:cNvPr>
+          <p:cNvSpPr>
+            <a:spLocks noGrp="1"/>
+          </p:cNvSpPr>
+          <p:nvPr>
+            <p:ph type="title"/>
+          </p:nvPr>
+        </p:nvSpPr>
+        <p:spPr/>
+        <p:txBody>
+          <a:bodyPr/>
+          <a:lstStyle/>
+          <a:p>
+            <a:r>
+              <a:rPr lang="pt-BR" dirty="0"/>
+              <a:t>Modelo computacional</a:t>
+            </a:r>
+          </a:p>
+        </p:txBody>
+      </p:sp>
+      <p:pic>
+        <p:nvPicPr>
+          <p:cNvPr id="5" name="Imagem 4">
+            <a:extLst>
+              <a:ext uri="{FF2B5EF4-FFF2-40B4-BE49-F238E27FC236}">
+                <a16:creationId xmlns:a16="http://schemas.microsoft.com/office/drawing/2014/main" id="{DCC16D09-AB44-4D4D-959F-E3E2129FC642}"/>
+              </a:ext>
+            </a:extLst>
+          </p:cNvPr>
+          <p:cNvPicPr>
+            <a:picLocks noChangeAspect="1"/>
+          </p:cNvPicPr>
+          <p:nvPr/>
+        </p:nvPicPr>
+        <p:blipFill>
+          <a:blip r:embed="rId2"/>
+          <a:stretch>
+            <a:fillRect/>
+          </a:stretch>
+        </p:blipFill>
+        <p:spPr>
+          <a:xfrm>
+            <a:off x="1371600" y="1447940"/>
+            <a:ext cx="7076941" cy="4884708"/>
+          </a:xfrm>
+          <a:prstGeom prst="rect">
+            <a:avLst/>
+          </a:prstGeom>
+        </p:spPr>
+      </p:pic>
+    </p:spTree>
+    <p:extLst>
+      <p:ext uri="{BB962C8B-B14F-4D97-AF65-F5344CB8AC3E}">
+        <p14:creationId xmlns:p14="http://schemas.microsoft.com/office/powerpoint/2010/main" val="194202954"/>
       </p:ext>
     </p:extLst>
   </p:cSld>
